--- a/项目介绍/20201016_项目介绍正式版1.0.pptx
+++ b/项目介绍/20201016_项目介绍正式版1.0.pptx
@@ -242,7 +242,7 @@
           <a:p>
             <a:fld id="{A84B3C7D-7ED1-A34F-BCFC-1C01389AE58C}" type="datetimeFigureOut">
               <a:rPr kumimoji="1" lang="zh-CN" altLang="en-US" smtClean="0"/>
-              <a:t>2020/10/17</a:t>
+              <a:t>2021/1/20</a:t>
             </a:fld>
             <a:endParaRPr kumimoji="1" lang="zh-CN" altLang="en-US"/>
           </a:p>
@@ -407,7 +407,7 @@
           <a:p>
             <a:fld id="{B0ACF2CF-5EF1-D24F-8F8B-C67282AA038A}" type="datetimeFigureOut">
               <a:rPr kumimoji="1" lang="zh-CN" altLang="en-US" smtClean="0"/>
-              <a:t>2020/10/17</a:t>
+              <a:t>2021/1/20</a:t>
             </a:fld>
             <a:endParaRPr kumimoji="1" lang="zh-CN" altLang="en-US"/>
           </a:p>

--- a/项目介绍/20201016_项目介绍正式版1.0.pptx
+++ b/项目介绍/20201016_项目介绍正式版1.0.pptx
@@ -242,7 +242,7 @@
           <a:p>
             <a:fld id="{A84B3C7D-7ED1-A34F-BCFC-1C01389AE58C}" type="datetimeFigureOut">
               <a:rPr kumimoji="1" lang="zh-CN" altLang="en-US" smtClean="0"/>
-              <a:t>2021/1/20</a:t>
+              <a:t>2021/1/21</a:t>
             </a:fld>
             <a:endParaRPr kumimoji="1" lang="zh-CN" altLang="en-US"/>
           </a:p>
@@ -407,7 +407,7 @@
           <a:p>
             <a:fld id="{B0ACF2CF-5EF1-D24F-8F8B-C67282AA038A}" type="datetimeFigureOut">
               <a:rPr kumimoji="1" lang="zh-CN" altLang="en-US" smtClean="0"/>
-              <a:t>2021/1/20</a:t>
+              <a:t>2021/1/21</a:t>
             </a:fld>
             <a:endParaRPr kumimoji="1" lang="zh-CN" altLang="en-US"/>
           </a:p>
